--- a/empircal-rule-demo.pptx
+++ b/empircal-rule-demo.pptx
@@ -6,10 +6,9 @@
   </p:sldMasterIdLst>
   <p:sldIdLst>
     <p:sldId id="256" r:id="rId2"/>
-    <p:sldId id="257" r:id="rId3"/>
-    <p:sldId id="258" r:id="rId4"/>
+    <p:sldId id="258" r:id="rId3"/>
+    <p:sldId id="260" r:id="rId4"/>
     <p:sldId id="259" r:id="rId5"/>
-    <p:sldId id="260" r:id="rId6"/>
   </p:sldIdLst>
   <p:sldSz cx="12192000" cy="6858000"/>
   <p:notesSz cx="6858000" cy="9144000"/>
@@ -108,6 +107,11 @@
       </a:defRPr>
     </a:lvl9pPr>
   </p:defaultTextStyle>
+  <p:extLst>
+    <p:ext uri="{EFAFB233-063F-42B5-8137-9DF3F51BA10A}">
+      <p15:sldGuideLst xmlns:p15="http://schemas.microsoft.com/office/powerpoint/2012/main"/>
+    </p:ext>
+  </p:extLst>
 </p:presentation>
 </file>
 
@@ -258,7 +262,7 @@
           <a:p>
             <a:fld id="{01B48FC1-E50A-47C5-A544-6B47FECF66D8}" type="datetimeFigureOut">
               <a:rPr lang="en-US" smtClean="0"/>
-              <a:t>12/21/2021</a:t>
+              <a:t>12/23/2021</a:t>
             </a:fld>
             <a:endParaRPr lang="en-US"/>
           </a:p>
@@ -456,7 +460,7 @@
           <a:p>
             <a:fld id="{01B48FC1-E50A-47C5-A544-6B47FECF66D8}" type="datetimeFigureOut">
               <a:rPr lang="en-US" smtClean="0"/>
-              <a:t>12/21/2021</a:t>
+              <a:t>12/23/2021</a:t>
             </a:fld>
             <a:endParaRPr lang="en-US"/>
           </a:p>
@@ -664,7 +668,7 @@
           <a:p>
             <a:fld id="{01B48FC1-E50A-47C5-A544-6B47FECF66D8}" type="datetimeFigureOut">
               <a:rPr lang="en-US" smtClean="0"/>
-              <a:t>12/21/2021</a:t>
+              <a:t>12/23/2021</a:t>
             </a:fld>
             <a:endParaRPr lang="en-US"/>
           </a:p>
@@ -862,7 +866,7 @@
           <a:p>
             <a:fld id="{01B48FC1-E50A-47C5-A544-6B47FECF66D8}" type="datetimeFigureOut">
               <a:rPr lang="en-US" smtClean="0"/>
-              <a:t>12/21/2021</a:t>
+              <a:t>12/23/2021</a:t>
             </a:fld>
             <a:endParaRPr lang="en-US"/>
           </a:p>
@@ -1137,7 +1141,7 @@
           <a:p>
             <a:fld id="{01B48FC1-E50A-47C5-A544-6B47FECF66D8}" type="datetimeFigureOut">
               <a:rPr lang="en-US" smtClean="0"/>
-              <a:t>12/21/2021</a:t>
+              <a:t>12/23/2021</a:t>
             </a:fld>
             <a:endParaRPr lang="en-US"/>
           </a:p>
@@ -1402,7 +1406,7 @@
           <a:p>
             <a:fld id="{01B48FC1-E50A-47C5-A544-6B47FECF66D8}" type="datetimeFigureOut">
               <a:rPr lang="en-US" smtClean="0"/>
-              <a:t>12/21/2021</a:t>
+              <a:t>12/23/2021</a:t>
             </a:fld>
             <a:endParaRPr lang="en-US"/>
           </a:p>
@@ -1814,7 +1818,7 @@
           <a:p>
             <a:fld id="{01B48FC1-E50A-47C5-A544-6B47FECF66D8}" type="datetimeFigureOut">
               <a:rPr lang="en-US" smtClean="0"/>
-              <a:t>12/21/2021</a:t>
+              <a:t>12/23/2021</a:t>
             </a:fld>
             <a:endParaRPr lang="en-US"/>
           </a:p>
@@ -1955,7 +1959,7 @@
           <a:p>
             <a:fld id="{01B48FC1-E50A-47C5-A544-6B47FECF66D8}" type="datetimeFigureOut">
               <a:rPr lang="en-US" smtClean="0"/>
-              <a:t>12/21/2021</a:t>
+              <a:t>12/23/2021</a:t>
             </a:fld>
             <a:endParaRPr lang="en-US"/>
           </a:p>
@@ -2068,7 +2072,7 @@
           <a:p>
             <a:fld id="{01B48FC1-E50A-47C5-A544-6B47FECF66D8}" type="datetimeFigureOut">
               <a:rPr lang="en-US" smtClean="0"/>
-              <a:t>12/21/2021</a:t>
+              <a:t>12/23/2021</a:t>
             </a:fld>
             <a:endParaRPr lang="en-US"/>
           </a:p>
@@ -2379,7 +2383,7 @@
           <a:p>
             <a:fld id="{01B48FC1-E50A-47C5-A544-6B47FECF66D8}" type="datetimeFigureOut">
               <a:rPr lang="en-US" smtClean="0"/>
-              <a:t>12/21/2021</a:t>
+              <a:t>12/23/2021</a:t>
             </a:fld>
             <a:endParaRPr lang="en-US"/>
           </a:p>
@@ -2667,7 +2671,7 @@
           <a:p>
             <a:fld id="{01B48FC1-E50A-47C5-A544-6B47FECF66D8}" type="datetimeFigureOut">
               <a:rPr lang="en-US" smtClean="0"/>
-              <a:t>12/21/2021</a:t>
+              <a:t>12/23/2021</a:t>
             </a:fld>
             <a:endParaRPr lang="en-US"/>
           </a:p>
@@ -2908,7 +2912,7 @@
           <a:p>
             <a:fld id="{01B48FC1-E50A-47C5-A544-6B47FECF66D8}" type="datetimeFigureOut">
               <a:rPr lang="en-US" smtClean="0"/>
-              <a:t>12/21/2021</a:t>
+              <a:t>12/23/2021</a:t>
             </a:fld>
             <a:endParaRPr lang="en-US"/>
           </a:p>
@@ -3413,7 +3417,7 @@
           <p:cNvPr id="2" name="Title 1">
             <a:extLst>
               <a:ext uri="{FF2B5EF4-FFF2-40B4-BE49-F238E27FC236}">
-                <a16:creationId xmlns:a16="http://schemas.microsoft.com/office/drawing/2014/main" id="{55A8BFAD-AB78-4199-9DF9-A3ECB571B85F}"/>
+                <a16:creationId xmlns:a16="http://schemas.microsoft.com/office/drawing/2014/main" id="{B6EC7624-FBA9-4BE2-B1B0-3B1DEDAEC347}"/>
               </a:ext>
             </a:extLst>
           </p:cNvPr>
@@ -3431,62 +3435,96 @@
           <a:p>
             <a:r>
               <a:rPr lang="en-US" dirty="0"/>
-              <a:t>Ever wanted to feel normal? Here’s your chance!</a:t>
-            </a:r>
-          </a:p>
-        </p:txBody>
-      </p:sp>
-      <p:pic>
-        <p:nvPicPr>
-          <p:cNvPr id="1026" name="Picture 2" descr="Bayesian, Statistics, Bell Curve, Probabilities">
-            <a:extLst>
-              <a:ext uri="{FF2B5EF4-FFF2-40B4-BE49-F238E27FC236}">
-                <a16:creationId xmlns:a16="http://schemas.microsoft.com/office/drawing/2014/main" id="{FA3B7D81-4A4E-4D1D-888A-372546133D93}"/>
-              </a:ext>
-            </a:extLst>
-          </p:cNvPr>
-          <p:cNvPicPr>
-            <a:picLocks noChangeAspect="1" noChangeArrowheads="1"/>
-          </p:cNvPicPr>
-          <p:nvPr/>
-        </p:nvPicPr>
-        <p:blipFill>
-          <a:blip r:embed="rId2">
-            <a:extLst>
-              <a:ext uri="{28A0092B-C50C-407E-A947-70E740481C1C}">
-                <a14:useLocalDpi xmlns:a14="http://schemas.microsoft.com/office/drawing/2010/main" val="0"/>
-              </a:ext>
-            </a:extLst>
-          </a:blip>
-          <a:srcRect/>
-          <a:stretch>
-            <a:fillRect/>
-          </a:stretch>
-        </p:blipFill>
-        <p:spPr bwMode="auto">
+              <a:t>Demo: The empirical rule in Excel</a:t>
+            </a:r>
+          </a:p>
+        </p:txBody>
+      </p:sp>
+      <p:sp>
+        <p:nvSpPr>
+          <p:cNvPr id="3" name="Content Placeholder 2">
+            <a:extLst>
+              <a:ext uri="{FF2B5EF4-FFF2-40B4-BE49-F238E27FC236}">
+                <a16:creationId xmlns:a16="http://schemas.microsoft.com/office/drawing/2014/main" id="{78079977-0B9A-48AB-B943-E8286310FA6C}"/>
+              </a:ext>
+            </a:extLst>
+          </p:cNvPr>
+          <p:cNvSpPr>
+            <a:spLocks noGrp="1"/>
+          </p:cNvSpPr>
+          <p:nvPr>
+            <p:ph idx="1"/>
+          </p:nvPr>
+        </p:nvSpPr>
+        <p:spPr>
           <a:xfrm>
-            <a:off x="5638800" y="1791477"/>
-            <a:ext cx="4609322" cy="4609322"/>
+            <a:off x="838200" y="1842959"/>
+            <a:ext cx="10515600" cy="4351338"/>
           </a:xfrm>
-          <a:prstGeom prst="rect">
-            <a:avLst/>
-          </a:prstGeom>
-          <a:noFill/>
-          <a:extLst>
-            <a:ext uri="{909E8E84-426E-40DD-AFC4-6F175D3DCCD1}">
-              <a14:hiddenFill xmlns:a14="http://schemas.microsoft.com/office/drawing/2010/main">
-                <a:solidFill>
-                  <a:srgbClr val="FFFFFF"/>
-                </a:solidFill>
-              </a14:hiddenFill>
-            </a:ext>
-          </a:extLst>
         </p:spPr>
-      </p:pic>
+        <p:txBody>
+          <a:bodyPr/>
+          <a:lstStyle/>
+          <a:p>
+            <a:r>
+              <a:rPr lang="en-US" dirty="0"/>
+              <a:t>Worksheet: </a:t>
+            </a:r>
+            <a:r>
+              <a:rPr lang="en-US" i="1" dirty="0"/>
+              <a:t>empirical-rule.xlsx</a:t>
+            </a:r>
+          </a:p>
+          <a:p>
+            <a:r>
+              <a:rPr lang="en-US" dirty="0"/>
+              <a:t>Demo notes: </a:t>
+            </a:r>
+            <a:r>
+              <a:rPr lang="en-US" i="1" dirty="0"/>
+              <a:t>demo-notes.pdf</a:t>
+            </a:r>
+          </a:p>
+          <a:p>
+            <a:r>
+              <a:rPr lang="en-US" dirty="0"/>
+              <a:t>Prerequisites</a:t>
+            </a:r>
+          </a:p>
+          <a:p>
+            <a:pPr lvl="1"/>
+            <a:r>
+              <a:rPr lang="en-US" dirty="0"/>
+              <a:t>Absolute and relative references</a:t>
+            </a:r>
+          </a:p>
+          <a:p>
+            <a:pPr lvl="1"/>
+            <a:r>
+              <a:rPr lang="en-US" dirty="0"/>
+              <a:t>Conditional logic</a:t>
+            </a:r>
+          </a:p>
+          <a:p>
+            <a:pPr lvl="1"/>
+            <a:r>
+              <a:rPr lang="en-US" dirty="0"/>
+              <a:t>Descriptive statistics (central tendency, variability)</a:t>
+            </a:r>
+          </a:p>
+          <a:p>
+            <a:pPr lvl="1"/>
+            <a:r>
+              <a:rPr lang="en-US" dirty="0"/>
+              <a:t>Normal distribution as “bell curve” (histogram)</a:t>
+            </a:r>
+          </a:p>
+        </p:txBody>
+      </p:sp>
     </p:spTree>
     <p:extLst>
       <p:ext uri="{BB962C8B-B14F-4D97-AF65-F5344CB8AC3E}">
-        <p14:creationId xmlns:p14="http://schemas.microsoft.com/office/powerpoint/2010/main" val="787395709"/>
+        <p14:creationId xmlns:p14="http://schemas.microsoft.com/office/powerpoint/2010/main" val="1985567890"/>
       </p:ext>
     </p:extLst>
   </p:cSld>
@@ -3536,7 +3574,7 @@
           <a:p>
             <a:r>
               <a:rPr lang="en-US" dirty="0"/>
-              <a:t>Demo: The empirical rule in Excel</a:t>
+              <a:t>What does it matter?</a:t>
             </a:r>
           </a:p>
         </p:txBody>
@@ -3557,70 +3595,73 @@
             <p:ph idx="1"/>
           </p:nvPr>
         </p:nvSpPr>
-        <p:spPr/>
-        <p:txBody>
-          <a:bodyPr/>
-          <a:lstStyle/>
-          <a:p>
-            <a:r>
-              <a:rPr lang="en-US" dirty="0"/>
-              <a:t>Worksheet: </a:t>
-            </a:r>
-            <a:r>
-              <a:rPr lang="en-US" i="1" dirty="0"/>
-              <a:t>empirical-rule.xlsx</a:t>
-            </a:r>
-          </a:p>
-          <a:p>
-            <a:r>
-              <a:rPr lang="en-US" dirty="0"/>
-              <a:t>Demo notes: </a:t>
-            </a:r>
-            <a:r>
-              <a:rPr lang="en-US" i="1" dirty="0"/>
-              <a:t>demo-notes.pdf</a:t>
-            </a:r>
-          </a:p>
-          <a:p>
-            <a:r>
-              <a:rPr lang="en-US" dirty="0"/>
-              <a:t>Prerequisites</a:t>
-            </a:r>
-          </a:p>
-          <a:p>
-            <a:pPr lvl="1"/>
-            <a:r>
-              <a:rPr lang="en-US" dirty="0"/>
-              <a:t>Absolute and relative references</a:t>
-            </a:r>
-          </a:p>
-          <a:p>
-            <a:pPr lvl="1"/>
-            <a:r>
-              <a:rPr lang="en-US" dirty="0"/>
-              <a:t>Conditional logic</a:t>
-            </a:r>
-          </a:p>
-          <a:p>
-            <a:pPr lvl="1"/>
-            <a:r>
-              <a:rPr lang="en-US" dirty="0"/>
-              <a:t>Descriptive statistics (central tendency, variability)</a:t>
-            </a:r>
-          </a:p>
-          <a:p>
-            <a:pPr lvl="1"/>
-            <a:r>
-              <a:rPr lang="en-US" dirty="0"/>
-              <a:t>Normal distribution as “bell curve” (histogram)</a:t>
-            </a:r>
-          </a:p>
-        </p:txBody>
-      </p:sp>
+        <p:spPr>
+          <a:xfrm>
+            <a:off x="838200" y="1825625"/>
+            <a:ext cx="5492620" cy="2091994"/>
+          </a:xfrm>
+        </p:spPr>
+        <p:txBody>
+          <a:bodyPr>
+            <a:normAutofit/>
+          </a:bodyPr>
+          <a:lstStyle/>
+          <a:p>
+            <a:r>
+              <a:rPr lang="en-US" sz="2000" dirty="0"/>
+              <a:t>Very common real-world distribution (</a:t>
+            </a:r>
+            <a:r>
+              <a:rPr lang="en-US" sz="2000" i="1" dirty="0"/>
+              <a:t>heights.xlsx</a:t>
+            </a:r>
+            <a:r>
+              <a:rPr lang="en-US" sz="2000" dirty="0"/>
+              <a:t> dataset) </a:t>
+            </a:r>
+          </a:p>
+          <a:p>
+            <a:r>
+              <a:rPr lang="en-US" sz="2000" dirty="0"/>
+              <a:t>We may not know a population’s “true value,” but we will roughly know what its distribution looks like</a:t>
+            </a:r>
+          </a:p>
+        </p:txBody>
+      </p:sp>
+      <p:pic>
+        <p:nvPicPr>
+          <p:cNvPr id="4" name="Picture 3">
+            <a:extLst>
+              <a:ext uri="{FF2B5EF4-FFF2-40B4-BE49-F238E27FC236}">
+                <a16:creationId xmlns:a16="http://schemas.microsoft.com/office/drawing/2014/main" id="{6228093C-7B6E-4523-BF45-91C6A13D6068}"/>
+              </a:ext>
+            </a:extLst>
+          </p:cNvPr>
+          <p:cNvPicPr>
+            <a:picLocks noChangeAspect="1"/>
+          </p:cNvPicPr>
+          <p:nvPr/>
+        </p:nvPicPr>
+        <p:blipFill>
+          <a:blip r:embed="rId2"/>
+          <a:stretch>
+            <a:fillRect/>
+          </a:stretch>
+        </p:blipFill>
+        <p:spPr>
+          <a:xfrm>
+            <a:off x="6597820" y="2621356"/>
+            <a:ext cx="4797968" cy="2651990"/>
+          </a:xfrm>
+          <a:prstGeom prst="rect">
+            <a:avLst/>
+          </a:prstGeom>
+        </p:spPr>
+      </p:pic>
     </p:spTree>
     <p:extLst>
       <p:ext uri="{BB962C8B-B14F-4D97-AF65-F5344CB8AC3E}">
-        <p14:creationId xmlns:p14="http://schemas.microsoft.com/office/powerpoint/2010/main" val="1985567890"/>
+        <p14:creationId xmlns:p14="http://schemas.microsoft.com/office/powerpoint/2010/main" val="690575242"/>
       </p:ext>
     </p:extLst>
   </p:cSld>
@@ -3694,31 +3735,31 @@
         <p:spPr>
           <a:xfrm>
             <a:off x="838200" y="1825625"/>
-            <a:ext cx="5492620" cy="1515280"/>
+            <a:ext cx="5492620" cy="2091994"/>
           </a:xfrm>
         </p:spPr>
         <p:txBody>
           <a:bodyPr>
-            <a:normAutofit fontScale="85000" lnSpcReduction="20000"/>
+            <a:normAutofit/>
           </a:bodyPr>
           <a:lstStyle/>
           <a:p>
             <a:r>
-              <a:rPr lang="en-US" dirty="0"/>
+              <a:rPr lang="en-US" sz="2000" dirty="0"/>
               <a:t>Very common real-world distribution (</a:t>
             </a:r>
             <a:r>
-              <a:rPr lang="en-US" i="1" dirty="0"/>
+              <a:rPr lang="en-US" sz="2000" i="1" dirty="0"/>
               <a:t>heights.xlsx</a:t>
             </a:r>
             <a:r>
-              <a:rPr lang="en-US" dirty="0"/>
+              <a:rPr lang="en-US" sz="2000" dirty="0"/>
               <a:t> dataset) </a:t>
             </a:r>
           </a:p>
           <a:p>
             <a:r>
-              <a:rPr lang="en-US" dirty="0"/>
+              <a:rPr lang="en-US" sz="2000" dirty="0"/>
               <a:t>We may not know a population’s “true value,” but we will roughly know what its distribution looks like</a:t>
             </a:r>
           </a:p>
@@ -3754,68 +3795,257 @@
           </a:prstGeom>
         </p:spPr>
       </p:pic>
+      <p:sp>
+        <p:nvSpPr>
+          <p:cNvPr id="7" name="Content Placeholder 2">
+            <a:extLst>
+              <a:ext uri="{FF2B5EF4-FFF2-40B4-BE49-F238E27FC236}">
+                <a16:creationId xmlns:a16="http://schemas.microsoft.com/office/drawing/2014/main" id="{A9708B44-87EB-4F66-B027-420E0E8B0847}"/>
+              </a:ext>
+            </a:extLst>
+          </p:cNvPr>
+          <p:cNvSpPr txBox="1">
+            <a:spLocks/>
+          </p:cNvSpPr>
+          <p:nvPr/>
+        </p:nvSpPr>
+        <p:spPr>
+          <a:xfrm>
+            <a:off x="2381702" y="5538403"/>
+            <a:ext cx="3304046" cy="854451"/>
+          </a:xfrm>
+          <a:prstGeom prst="rect">
+            <a:avLst/>
+          </a:prstGeom>
+        </p:spPr>
+        <p:txBody>
+          <a:bodyPr vert="horz" lIns="91440" tIns="45720" rIns="91440" bIns="45720" rtlCol="0">
+            <a:normAutofit/>
+          </a:bodyPr>
+          <a:lstStyle>
+            <a:lvl1pPr marL="228600" indent="-228600" algn="l" defTabSz="914400" rtl="0" eaLnBrk="1" latinLnBrk="0" hangingPunct="1">
+              <a:lnSpc>
+                <a:spcPct val="90000"/>
+              </a:lnSpc>
+              <a:spcBef>
+                <a:spcPts val="1000"/>
+              </a:spcBef>
+              <a:buFont typeface="Arial" panose="020B0604020202020204" pitchFamily="34" charset="0"/>
+              <a:buChar char="•"/>
+              <a:defRPr sz="2800" kern="1200">
+                <a:solidFill>
+                  <a:schemeClr val="tx1"/>
+                </a:solidFill>
+                <a:latin typeface="+mn-lt"/>
+                <a:ea typeface="+mn-ea"/>
+                <a:cs typeface="+mn-cs"/>
+              </a:defRPr>
+            </a:lvl1pPr>
+            <a:lvl2pPr marL="685800" indent="-228600" algn="l" defTabSz="914400" rtl="0" eaLnBrk="1" latinLnBrk="0" hangingPunct="1">
+              <a:lnSpc>
+                <a:spcPct val="90000"/>
+              </a:lnSpc>
+              <a:spcBef>
+                <a:spcPts val="500"/>
+              </a:spcBef>
+              <a:buFont typeface="Arial" panose="020B0604020202020204" pitchFamily="34" charset="0"/>
+              <a:buChar char="•"/>
+              <a:defRPr sz="2400" kern="1200">
+                <a:solidFill>
+                  <a:schemeClr val="tx1"/>
+                </a:solidFill>
+                <a:latin typeface="+mn-lt"/>
+                <a:ea typeface="+mn-ea"/>
+                <a:cs typeface="+mn-cs"/>
+              </a:defRPr>
+            </a:lvl2pPr>
+            <a:lvl3pPr marL="1143000" indent="-228600" algn="l" defTabSz="914400" rtl="0" eaLnBrk="1" latinLnBrk="0" hangingPunct="1">
+              <a:lnSpc>
+                <a:spcPct val="90000"/>
+              </a:lnSpc>
+              <a:spcBef>
+                <a:spcPts val="500"/>
+              </a:spcBef>
+              <a:buFont typeface="Arial" panose="020B0604020202020204" pitchFamily="34" charset="0"/>
+              <a:buChar char="•"/>
+              <a:defRPr sz="2000" kern="1200">
+                <a:solidFill>
+                  <a:schemeClr val="tx1"/>
+                </a:solidFill>
+                <a:latin typeface="+mn-lt"/>
+                <a:ea typeface="+mn-ea"/>
+                <a:cs typeface="+mn-cs"/>
+              </a:defRPr>
+            </a:lvl3pPr>
+            <a:lvl4pPr marL="1600200" indent="-228600" algn="l" defTabSz="914400" rtl="0" eaLnBrk="1" latinLnBrk="0" hangingPunct="1">
+              <a:lnSpc>
+                <a:spcPct val="90000"/>
+              </a:lnSpc>
+              <a:spcBef>
+                <a:spcPts val="500"/>
+              </a:spcBef>
+              <a:buFont typeface="Arial" panose="020B0604020202020204" pitchFamily="34" charset="0"/>
+              <a:buChar char="•"/>
+              <a:defRPr sz="1800" kern="1200">
+                <a:solidFill>
+                  <a:schemeClr val="tx1"/>
+                </a:solidFill>
+                <a:latin typeface="+mn-lt"/>
+                <a:ea typeface="+mn-ea"/>
+                <a:cs typeface="+mn-cs"/>
+              </a:defRPr>
+            </a:lvl4pPr>
+            <a:lvl5pPr marL="2057400" indent="-228600" algn="l" defTabSz="914400" rtl="0" eaLnBrk="1" latinLnBrk="0" hangingPunct="1">
+              <a:lnSpc>
+                <a:spcPct val="90000"/>
+              </a:lnSpc>
+              <a:spcBef>
+                <a:spcPts val="500"/>
+              </a:spcBef>
+              <a:buFont typeface="Arial" panose="020B0604020202020204" pitchFamily="34" charset="0"/>
+              <a:buChar char="•"/>
+              <a:defRPr sz="1800" kern="1200">
+                <a:solidFill>
+                  <a:schemeClr val="tx1"/>
+                </a:solidFill>
+                <a:latin typeface="+mn-lt"/>
+                <a:ea typeface="+mn-ea"/>
+                <a:cs typeface="+mn-cs"/>
+              </a:defRPr>
+            </a:lvl5pPr>
+            <a:lvl6pPr marL="2514600" indent="-228600" algn="l" defTabSz="914400" rtl="0" eaLnBrk="1" latinLnBrk="0" hangingPunct="1">
+              <a:lnSpc>
+                <a:spcPct val="90000"/>
+              </a:lnSpc>
+              <a:spcBef>
+                <a:spcPts val="500"/>
+              </a:spcBef>
+              <a:buFont typeface="Arial" panose="020B0604020202020204" pitchFamily="34" charset="0"/>
+              <a:buChar char="•"/>
+              <a:defRPr sz="1800" kern="1200">
+                <a:solidFill>
+                  <a:schemeClr val="tx1"/>
+                </a:solidFill>
+                <a:latin typeface="+mn-lt"/>
+                <a:ea typeface="+mn-ea"/>
+                <a:cs typeface="+mn-cs"/>
+              </a:defRPr>
+            </a:lvl6pPr>
+            <a:lvl7pPr marL="2971800" indent="-228600" algn="l" defTabSz="914400" rtl="0" eaLnBrk="1" latinLnBrk="0" hangingPunct="1">
+              <a:lnSpc>
+                <a:spcPct val="90000"/>
+              </a:lnSpc>
+              <a:spcBef>
+                <a:spcPts val="500"/>
+              </a:spcBef>
+              <a:buFont typeface="Arial" panose="020B0604020202020204" pitchFamily="34" charset="0"/>
+              <a:buChar char="•"/>
+              <a:defRPr sz="1800" kern="1200">
+                <a:solidFill>
+                  <a:schemeClr val="tx1"/>
+                </a:solidFill>
+                <a:latin typeface="+mn-lt"/>
+                <a:ea typeface="+mn-ea"/>
+                <a:cs typeface="+mn-cs"/>
+              </a:defRPr>
+            </a:lvl7pPr>
+            <a:lvl8pPr marL="3429000" indent="-228600" algn="l" defTabSz="914400" rtl="0" eaLnBrk="1" latinLnBrk="0" hangingPunct="1">
+              <a:lnSpc>
+                <a:spcPct val="90000"/>
+              </a:lnSpc>
+              <a:spcBef>
+                <a:spcPts val="500"/>
+              </a:spcBef>
+              <a:buFont typeface="Arial" panose="020B0604020202020204" pitchFamily="34" charset="0"/>
+              <a:buChar char="•"/>
+              <a:defRPr sz="1800" kern="1200">
+                <a:solidFill>
+                  <a:schemeClr val="tx1"/>
+                </a:solidFill>
+                <a:latin typeface="+mn-lt"/>
+                <a:ea typeface="+mn-ea"/>
+                <a:cs typeface="+mn-cs"/>
+              </a:defRPr>
+            </a:lvl8pPr>
+            <a:lvl9pPr marL="3886200" indent="-228600" algn="l" defTabSz="914400" rtl="0" eaLnBrk="1" latinLnBrk="0" hangingPunct="1">
+              <a:lnSpc>
+                <a:spcPct val="90000"/>
+              </a:lnSpc>
+              <a:spcBef>
+                <a:spcPts val="500"/>
+              </a:spcBef>
+              <a:buFont typeface="Arial" panose="020B0604020202020204" pitchFamily="34" charset="0"/>
+              <a:buChar char="•"/>
+              <a:defRPr sz="1800" kern="1200">
+                <a:solidFill>
+                  <a:schemeClr val="tx1"/>
+                </a:solidFill>
+                <a:latin typeface="+mn-lt"/>
+                <a:ea typeface="+mn-ea"/>
+                <a:cs typeface="+mn-cs"/>
+              </a:defRPr>
+            </a:lvl9pPr>
+          </a:lstStyle>
+          <a:p>
+            <a:pPr marL="0" indent="0">
+              <a:buNone/>
+            </a:pPr>
+            <a:r>
+              <a:rPr lang="en-US" sz="2000" i="1" dirty="0"/>
+              <a:t>If you’ve heard of the 95% confidence interval... This is it!</a:t>
+            </a:r>
+          </a:p>
+        </p:txBody>
+      </p:sp>
+      <p:cxnSp>
+        <p:nvCxnSpPr>
+          <p:cNvPr id="9" name="Straight Arrow Connector 8">
+            <a:extLst>
+              <a:ext uri="{FF2B5EF4-FFF2-40B4-BE49-F238E27FC236}">
+                <a16:creationId xmlns:a16="http://schemas.microsoft.com/office/drawing/2014/main" id="{E3D26880-EBC6-4F71-84DE-3773ADA7D6F4}"/>
+              </a:ext>
+            </a:extLst>
+          </p:cNvPr>
+          <p:cNvCxnSpPr/>
+          <p:nvPr/>
+        </p:nvCxnSpPr>
+        <p:spPr>
+          <a:xfrm flipV="1">
+            <a:off x="5841759" y="5200379"/>
+            <a:ext cx="641380" cy="260019"/>
+          </a:xfrm>
+          <a:prstGeom prst="straightConnector1">
+            <a:avLst/>
+          </a:prstGeom>
+          <a:ln w="38100">
+            <a:solidFill>
+              <a:schemeClr val="tx1">
+                <a:lumMod val="95000"/>
+                <a:lumOff val="5000"/>
+              </a:schemeClr>
+            </a:solidFill>
+            <a:tailEnd type="triangle"/>
+          </a:ln>
+        </p:spPr>
+        <p:style>
+          <a:lnRef idx="1">
+            <a:schemeClr val="accent1"/>
+          </a:lnRef>
+          <a:fillRef idx="0">
+            <a:schemeClr val="accent1"/>
+          </a:fillRef>
+          <a:effectRef idx="0">
+            <a:schemeClr val="accent1"/>
+          </a:effectRef>
+          <a:fontRef idx="minor">
+            <a:schemeClr val="tx1"/>
+          </a:fontRef>
+        </p:style>
+      </p:cxnSp>
     </p:spTree>
     <p:extLst>
       <p:ext uri="{BB962C8B-B14F-4D97-AF65-F5344CB8AC3E}">
         <p14:creationId xmlns:p14="http://schemas.microsoft.com/office/powerpoint/2010/main" val="2031629890"/>
-      </p:ext>
-    </p:extLst>
-  </p:cSld>
-  <p:clrMapOvr>
-    <a:masterClrMapping/>
-  </p:clrMapOvr>
-</p:sld>
-</file>
-
-<file path=ppt/slides/slide5.xml><?xml version="1.0" encoding="utf-8"?>
-<p:sld xmlns:a="http://schemas.openxmlformats.org/drawingml/2006/main" xmlns:r="http://schemas.openxmlformats.org/officeDocument/2006/relationships" xmlns:p="http://schemas.openxmlformats.org/presentationml/2006/main">
-  <p:cSld>
-    <p:spTree>
-      <p:nvGrpSpPr>
-        <p:cNvPr id="1" name=""/>
-        <p:cNvGrpSpPr/>
-        <p:nvPr/>
-      </p:nvGrpSpPr>
-      <p:grpSpPr>
-        <a:xfrm>
-          <a:off x="0" y="0"/>
-          <a:ext cx="0" cy="0"/>
-          <a:chOff x="0" y="0"/>
-          <a:chExt cx="0" cy="0"/>
-        </a:xfrm>
-      </p:grpSpPr>
-      <p:sp>
-        <p:nvSpPr>
-          <p:cNvPr id="2" name="Title 1">
-            <a:extLst>
-              <a:ext uri="{FF2B5EF4-FFF2-40B4-BE49-F238E27FC236}">
-                <a16:creationId xmlns:a16="http://schemas.microsoft.com/office/drawing/2014/main" id="{1CAD856E-3910-46A0-9A2C-71D7512D196D}"/>
-              </a:ext>
-            </a:extLst>
-          </p:cNvPr>
-          <p:cNvSpPr>
-            <a:spLocks noGrp="1"/>
-          </p:cNvSpPr>
-          <p:nvPr>
-            <p:ph type="title"/>
-          </p:nvPr>
-        </p:nvSpPr>
-        <p:spPr/>
-        <p:txBody>
-          <a:bodyPr/>
-          <a:lstStyle/>
-          <a:p>
-            <a:r>
-              <a:rPr lang="en-US" dirty="0"/>
-              <a:t>Questions about the empirical rule?</a:t>
-            </a:r>
-          </a:p>
-        </p:txBody>
-      </p:sp>
-    </p:spTree>
-    <p:extLst>
-      <p:ext uri="{BB962C8B-B14F-4D97-AF65-F5344CB8AC3E}">
-        <p14:creationId xmlns:p14="http://schemas.microsoft.com/office/powerpoint/2010/main" val="2431036681"/>
       </p:ext>
     </p:extLst>
   </p:cSld>
